--- a/Mages.pptx
+++ b/Mages.pptx
@@ -7009,6 +7009,257 @@
           </a:p>
         </p:txBody>
       </p:sp>
+      <p:sp>
+        <p:nvSpPr>
+          <p:cNvPr id="12" name="Rectangle 11">
+            <a:extLst>
+              <a:ext uri="{FF2B5EF4-FFF2-40B4-BE49-F238E27FC236}">
+                <a16:creationId xmlns:a16="http://schemas.microsoft.com/office/drawing/2014/main" id="{DDDE2DE8-C28C-1392-7DDC-9C87A4AC54B0}"/>
+              </a:ext>
+            </a:extLst>
+          </p:cNvPr>
+          <p:cNvSpPr/>
+          <p:nvPr/>
+        </p:nvSpPr>
+        <p:spPr>
+          <a:xfrm>
+            <a:off x="5505061" y="3429000"/>
+            <a:ext cx="3303037" cy="433873"/>
+          </a:xfrm>
+          <a:prstGeom prst="rect">
+            <a:avLst/>
+          </a:prstGeom>
+          <a:solidFill>
+            <a:srgbClr val="FF0000"/>
+          </a:solidFill>
+        </p:spPr>
+        <p:style>
+          <a:lnRef idx="2">
+            <a:schemeClr val="accent1">
+              <a:shade val="50000"/>
+            </a:schemeClr>
+          </a:lnRef>
+          <a:fillRef idx="1">
+            <a:schemeClr val="accent1"/>
+          </a:fillRef>
+          <a:effectRef idx="0">
+            <a:schemeClr val="accent1"/>
+          </a:effectRef>
+          <a:fontRef idx="minor">
+            <a:schemeClr val="lt1"/>
+          </a:fontRef>
+        </p:style>
+        <p:txBody>
+          <a:bodyPr rtlCol="0" anchor="ctr"/>
+          <a:lstStyle/>
+          <a:p>
+            <a:pPr algn="ctr"/>
+            <a:r>
+              <a:rPr lang="en-IN" b="1" dirty="0"/>
+              <a:t>Data Access Layer</a:t>
+            </a:r>
+            <a:endParaRPr lang="en-US" b="1" dirty="0"/>
+          </a:p>
+        </p:txBody>
+      </p:sp>
+      <p:sp>
+        <p:nvSpPr>
+          <p:cNvPr id="13" name="Rectangle 12">
+            <a:extLst>
+              <a:ext uri="{FF2B5EF4-FFF2-40B4-BE49-F238E27FC236}">
+                <a16:creationId xmlns:a16="http://schemas.microsoft.com/office/drawing/2014/main" id="{42D12EA4-CB80-D5BF-0730-2850F5D6089E}"/>
+              </a:ext>
+            </a:extLst>
+          </p:cNvPr>
+          <p:cNvSpPr/>
+          <p:nvPr/>
+        </p:nvSpPr>
+        <p:spPr>
+          <a:xfrm>
+            <a:off x="5505061" y="2836503"/>
+            <a:ext cx="3303037" cy="433873"/>
+          </a:xfrm>
+          <a:prstGeom prst="rect">
+            <a:avLst/>
+          </a:prstGeom>
+          <a:solidFill>
+            <a:srgbClr val="7030A0"/>
+          </a:solidFill>
+        </p:spPr>
+        <p:style>
+          <a:lnRef idx="2">
+            <a:schemeClr val="accent1">
+              <a:shade val="50000"/>
+            </a:schemeClr>
+          </a:lnRef>
+          <a:fillRef idx="1">
+            <a:schemeClr val="accent1"/>
+          </a:fillRef>
+          <a:effectRef idx="0">
+            <a:schemeClr val="accent1"/>
+          </a:effectRef>
+          <a:fontRef idx="minor">
+            <a:schemeClr val="lt1"/>
+          </a:fontRef>
+        </p:style>
+        <p:txBody>
+          <a:bodyPr rtlCol="0" anchor="ctr"/>
+          <a:lstStyle/>
+          <a:p>
+            <a:pPr algn="ctr"/>
+            <a:r>
+              <a:rPr lang="en-IN" b="1" dirty="0"/>
+              <a:t>Business Logic</a:t>
+            </a:r>
+            <a:endParaRPr lang="en-US" b="1" dirty="0"/>
+          </a:p>
+        </p:txBody>
+      </p:sp>
+      <p:sp>
+        <p:nvSpPr>
+          <p:cNvPr id="14" name="Rectangle 13">
+            <a:extLst>
+              <a:ext uri="{FF2B5EF4-FFF2-40B4-BE49-F238E27FC236}">
+                <a16:creationId xmlns:a16="http://schemas.microsoft.com/office/drawing/2014/main" id="{2F3C388D-B663-ACBA-AE31-AF9363C2E609}"/>
+              </a:ext>
+            </a:extLst>
+          </p:cNvPr>
+          <p:cNvSpPr/>
+          <p:nvPr/>
+        </p:nvSpPr>
+        <p:spPr>
+          <a:xfrm>
+            <a:off x="5486397" y="1824909"/>
+            <a:ext cx="3303037" cy="909732"/>
+          </a:xfrm>
+          <a:prstGeom prst="rect">
+            <a:avLst/>
+          </a:prstGeom>
+          <a:solidFill>
+            <a:srgbClr val="002060"/>
+          </a:solidFill>
+        </p:spPr>
+        <p:style>
+          <a:lnRef idx="2">
+            <a:schemeClr val="accent1">
+              <a:shade val="50000"/>
+            </a:schemeClr>
+          </a:lnRef>
+          <a:fillRef idx="1">
+            <a:schemeClr val="accent1"/>
+          </a:fillRef>
+          <a:effectRef idx="0">
+            <a:schemeClr val="accent1"/>
+          </a:effectRef>
+          <a:fontRef idx="minor">
+            <a:schemeClr val="lt1"/>
+          </a:fontRef>
+        </p:style>
+        <p:txBody>
+          <a:bodyPr rtlCol="0" anchor="ctr"/>
+          <a:lstStyle/>
+          <a:p>
+            <a:pPr algn="ctr"/>
+            <a:r>
+              <a:rPr lang="en-IN" b="1" dirty="0"/>
+              <a:t>ASP.NET Pages</a:t>
+            </a:r>
+            <a:endParaRPr lang="en-US" b="1" dirty="0"/>
+          </a:p>
+        </p:txBody>
+      </p:sp>
+      <p:sp>
+        <p:nvSpPr>
+          <p:cNvPr id="15" name="Arrow: Right 14">
+            <a:extLst>
+              <a:ext uri="{FF2B5EF4-FFF2-40B4-BE49-F238E27FC236}">
+                <a16:creationId xmlns:a16="http://schemas.microsoft.com/office/drawing/2014/main" id="{4392247D-0FDB-DF64-ABCA-88B5832B6B9D}"/>
+              </a:ext>
+            </a:extLst>
+          </p:cNvPr>
+          <p:cNvSpPr/>
+          <p:nvPr/>
+        </p:nvSpPr>
+        <p:spPr>
+          <a:xfrm>
+            <a:off x="503853" y="457200"/>
+            <a:ext cx="4301412" cy="643812"/>
+          </a:xfrm>
+          <a:prstGeom prst="rightArrow">
+            <a:avLst/>
+          </a:prstGeom>
+        </p:spPr>
+        <p:style>
+          <a:lnRef idx="2">
+            <a:schemeClr val="accent1">
+              <a:shade val="50000"/>
+            </a:schemeClr>
+          </a:lnRef>
+          <a:fillRef idx="1">
+            <a:schemeClr val="accent1"/>
+          </a:fillRef>
+          <a:effectRef idx="0">
+            <a:schemeClr val="accent1"/>
+          </a:effectRef>
+          <a:fontRef idx="minor">
+            <a:schemeClr val="lt1"/>
+          </a:fontRef>
+        </p:style>
+        <p:txBody>
+          <a:bodyPr rtlCol="0" anchor="ctr"/>
+          <a:lstStyle/>
+          <a:p>
+            <a:pPr algn="ctr"/>
+            <a:endParaRPr lang="en-US"/>
+          </a:p>
+        </p:txBody>
+      </p:sp>
+      <p:cxnSp>
+        <p:nvCxnSpPr>
+          <p:cNvPr id="17" name="Connector: Elbow 16">
+            <a:extLst>
+              <a:ext uri="{FF2B5EF4-FFF2-40B4-BE49-F238E27FC236}">
+                <a16:creationId xmlns:a16="http://schemas.microsoft.com/office/drawing/2014/main" id="{9589D94B-66C5-7A38-6A1A-26E62D670E8F}"/>
+              </a:ext>
+            </a:extLst>
+          </p:cNvPr>
+          <p:cNvCxnSpPr>
+            <a:stCxn id="12" idx="3"/>
+            <a:endCxn id="2" idx="2"/>
+          </p:cNvCxnSpPr>
+          <p:nvPr/>
+        </p:nvCxnSpPr>
+        <p:spPr>
+          <a:xfrm flipV="1">
+            <a:off x="8808098" y="3069771"/>
+            <a:ext cx="1007706" cy="576166"/>
+          </a:xfrm>
+          <a:prstGeom prst="bentConnector3">
+            <a:avLst/>
+          </a:prstGeom>
+          <a:ln w="76200">
+            <a:solidFill>
+              <a:srgbClr val="FFFF00"/>
+            </a:solidFill>
+            <a:headEnd type="triangle"/>
+            <a:tailEnd type="triangle"/>
+          </a:ln>
+        </p:spPr>
+        <p:style>
+          <a:lnRef idx="1">
+            <a:schemeClr val="accent1"/>
+          </a:lnRef>
+          <a:fillRef idx="0">
+            <a:schemeClr val="accent1"/>
+          </a:fillRef>
+          <a:effectRef idx="0">
+            <a:schemeClr val="accent1"/>
+          </a:effectRef>
+          <a:fontRef idx="minor">
+            <a:schemeClr val="tx1"/>
+          </a:fontRef>
+        </p:style>
+      </p:cxnSp>
     </p:spTree>
     <p:extLst>
       <p:ext uri="{BB962C8B-B14F-4D97-AF65-F5344CB8AC3E}">

--- a/Mages.pptx
+++ b/Mages.pptx
@@ -10,6 +10,7 @@
     <p:sldId id="257" r:id="rId4"/>
     <p:sldId id="259" r:id="rId5"/>
     <p:sldId id="260" r:id="rId6"/>
+    <p:sldId id="261" r:id="rId7"/>
   </p:sldIdLst>
   <p:sldSz cx="12192000" cy="6858000"/>
   <p:notesSz cx="6858000" cy="9144000"/>
@@ -108,6 +109,11 @@
       </a:defRPr>
     </a:lvl9pPr>
   </p:defaultTextStyle>
+  <p:extLst>
+    <p:ext uri="{EFAFB233-063F-42B5-8137-9DF3F51BA10A}">
+      <p15:sldGuideLst xmlns:p15="http://schemas.microsoft.com/office/powerpoint/2012/main"/>
+    </p:ext>
+  </p:extLst>
 </p:presentation>
 </file>
 
@@ -258,7 +264,7 @@
           <a:p>
             <a:fld id="{1B5307E5-B049-4D90-B4EE-E46AA32988F2}" type="datetimeFigureOut">
               <a:rPr lang="en-US" smtClean="0"/>
-              <a:t>12/28/2022</a:t>
+              <a:t>1/2/2023</a:t>
             </a:fld>
             <a:endParaRPr lang="en-US"/>
           </a:p>
@@ -456,7 +462,7 @@
           <a:p>
             <a:fld id="{1B5307E5-B049-4D90-B4EE-E46AA32988F2}" type="datetimeFigureOut">
               <a:rPr lang="en-US" smtClean="0"/>
-              <a:t>12/28/2022</a:t>
+              <a:t>1/2/2023</a:t>
             </a:fld>
             <a:endParaRPr lang="en-US"/>
           </a:p>
@@ -664,7 +670,7 @@
           <a:p>
             <a:fld id="{1B5307E5-B049-4D90-B4EE-E46AA32988F2}" type="datetimeFigureOut">
               <a:rPr lang="en-US" smtClean="0"/>
-              <a:t>12/28/2022</a:t>
+              <a:t>1/2/2023</a:t>
             </a:fld>
             <a:endParaRPr lang="en-US"/>
           </a:p>
@@ -862,7 +868,7 @@
           <a:p>
             <a:fld id="{1B5307E5-B049-4D90-B4EE-E46AA32988F2}" type="datetimeFigureOut">
               <a:rPr lang="en-US" smtClean="0"/>
-              <a:t>12/28/2022</a:t>
+              <a:t>1/2/2023</a:t>
             </a:fld>
             <a:endParaRPr lang="en-US"/>
           </a:p>
@@ -1137,7 +1143,7 @@
           <a:p>
             <a:fld id="{1B5307E5-B049-4D90-B4EE-E46AA32988F2}" type="datetimeFigureOut">
               <a:rPr lang="en-US" smtClean="0"/>
-              <a:t>12/28/2022</a:t>
+              <a:t>1/2/2023</a:t>
             </a:fld>
             <a:endParaRPr lang="en-US"/>
           </a:p>
@@ -1402,7 +1408,7 @@
           <a:p>
             <a:fld id="{1B5307E5-B049-4D90-B4EE-E46AA32988F2}" type="datetimeFigureOut">
               <a:rPr lang="en-US" smtClean="0"/>
-              <a:t>12/28/2022</a:t>
+              <a:t>1/2/2023</a:t>
             </a:fld>
             <a:endParaRPr lang="en-US"/>
           </a:p>
@@ -1814,7 +1820,7 @@
           <a:p>
             <a:fld id="{1B5307E5-B049-4D90-B4EE-E46AA32988F2}" type="datetimeFigureOut">
               <a:rPr lang="en-US" smtClean="0"/>
-              <a:t>12/28/2022</a:t>
+              <a:t>1/2/2023</a:t>
             </a:fld>
             <a:endParaRPr lang="en-US"/>
           </a:p>
@@ -1955,7 +1961,7 @@
           <a:p>
             <a:fld id="{1B5307E5-B049-4D90-B4EE-E46AA32988F2}" type="datetimeFigureOut">
               <a:rPr lang="en-US" smtClean="0"/>
-              <a:t>12/28/2022</a:t>
+              <a:t>1/2/2023</a:t>
             </a:fld>
             <a:endParaRPr lang="en-US"/>
           </a:p>
@@ -2068,7 +2074,7 @@
           <a:p>
             <a:fld id="{1B5307E5-B049-4D90-B4EE-E46AA32988F2}" type="datetimeFigureOut">
               <a:rPr lang="en-US" smtClean="0"/>
-              <a:t>12/28/2022</a:t>
+              <a:t>1/2/2023</a:t>
             </a:fld>
             <a:endParaRPr lang="en-US"/>
           </a:p>
@@ -2379,7 +2385,7 @@
           <a:p>
             <a:fld id="{1B5307E5-B049-4D90-B4EE-E46AA32988F2}" type="datetimeFigureOut">
               <a:rPr lang="en-US" smtClean="0"/>
-              <a:t>12/28/2022</a:t>
+              <a:t>1/2/2023</a:t>
             </a:fld>
             <a:endParaRPr lang="en-US"/>
           </a:p>
@@ -2667,7 +2673,7 @@
           <a:p>
             <a:fld id="{1B5307E5-B049-4D90-B4EE-E46AA32988F2}" type="datetimeFigureOut">
               <a:rPr lang="en-US" smtClean="0"/>
-              <a:t>12/28/2022</a:t>
+              <a:t>1/2/2023</a:t>
             </a:fld>
             <a:endParaRPr lang="en-US"/>
           </a:p>
@@ -2908,7 +2914,7 @@
           <a:p>
             <a:fld id="{1B5307E5-B049-4D90-B4EE-E46AA32988F2}" type="datetimeFigureOut">
               <a:rPr lang="en-US" smtClean="0"/>
-              <a:t>12/28/2022</a:t>
+              <a:t>1/2/2023</a:t>
             </a:fld>
             <a:endParaRPr lang="en-US"/>
           </a:p>
@@ -7273,6 +7279,615 @@
 </p:sld>
 </file>
 
+<file path=ppt/slides/slide6.xml><?xml version="1.0" encoding="utf-8"?>
+<p:sld xmlns:a="http://schemas.openxmlformats.org/drawingml/2006/main" xmlns:r="http://schemas.openxmlformats.org/officeDocument/2006/relationships" xmlns:p="http://schemas.openxmlformats.org/presentationml/2006/main">
+  <p:cSld>
+    <p:spTree>
+      <p:nvGrpSpPr>
+        <p:cNvPr id="1" name=""/>
+        <p:cNvGrpSpPr/>
+        <p:nvPr/>
+      </p:nvGrpSpPr>
+      <p:grpSpPr>
+        <a:xfrm>
+          <a:off x="0" y="0"/>
+          <a:ext cx="0" cy="0"/>
+          <a:chOff x="0" y="0"/>
+          <a:chExt cx="0" cy="0"/>
+        </a:xfrm>
+      </p:grpSpPr>
+      <p:sp>
+        <p:nvSpPr>
+          <p:cNvPr id="2" name="Oval 1">
+            <a:extLst>
+              <a:ext uri="{FF2B5EF4-FFF2-40B4-BE49-F238E27FC236}">
+                <a16:creationId xmlns:a16="http://schemas.microsoft.com/office/drawing/2014/main" id="{4FFF0D45-3C07-F759-D78C-16F79B823155}"/>
+              </a:ext>
+            </a:extLst>
+          </p:cNvPr>
+          <p:cNvSpPr/>
+          <p:nvPr/>
+        </p:nvSpPr>
+        <p:spPr>
+          <a:xfrm>
+            <a:off x="5439747" y="186612"/>
+            <a:ext cx="1464906" cy="1390261"/>
+          </a:xfrm>
+          <a:prstGeom prst="ellipse">
+            <a:avLst/>
+          </a:prstGeom>
+        </p:spPr>
+        <p:style>
+          <a:lnRef idx="2">
+            <a:schemeClr val="accent1">
+              <a:shade val="50000"/>
+            </a:schemeClr>
+          </a:lnRef>
+          <a:fillRef idx="1">
+            <a:schemeClr val="accent1"/>
+          </a:fillRef>
+          <a:effectRef idx="0">
+            <a:schemeClr val="accent1"/>
+          </a:effectRef>
+          <a:fontRef idx="minor">
+            <a:schemeClr val="lt1"/>
+          </a:fontRef>
+        </p:style>
+        <p:txBody>
+          <a:bodyPr rtlCol="0" anchor="ctr"/>
+          <a:lstStyle/>
+          <a:p>
+            <a:pPr algn="ctr"/>
+            <a:r>
+              <a:rPr lang="en-US" dirty="0"/>
+              <a:t>Plain Text</a:t>
+            </a:r>
+          </a:p>
+        </p:txBody>
+      </p:sp>
+      <p:sp>
+        <p:nvSpPr>
+          <p:cNvPr id="3" name="TextBox 2">
+            <a:extLst>
+              <a:ext uri="{FF2B5EF4-FFF2-40B4-BE49-F238E27FC236}">
+                <a16:creationId xmlns:a16="http://schemas.microsoft.com/office/drawing/2014/main" id="{787BDF58-FE12-A792-81D9-46F623FF680E}"/>
+              </a:ext>
+            </a:extLst>
+          </p:cNvPr>
+          <p:cNvSpPr txBox="1"/>
+          <p:nvPr/>
+        </p:nvSpPr>
+        <p:spPr>
+          <a:xfrm>
+            <a:off x="7147249" y="167951"/>
+            <a:ext cx="4376057" cy="1200329"/>
+          </a:xfrm>
+          <a:prstGeom prst="rect">
+            <a:avLst/>
+          </a:prstGeom>
+          <a:noFill/>
+        </p:spPr>
+        <p:txBody>
+          <a:bodyPr wrap="square" rtlCol="0">
+            <a:spAutoFit/>
+          </a:bodyPr>
+          <a:lstStyle/>
+          <a:p>
+            <a:r>
+              <a:rPr lang="en-US" dirty="0"/>
+              <a:t>Plain Text is readable and Types looses its original behavior because each data is text e.g. EmpNo is numeric for app but when written in </a:t>
+            </a:r>
+            <a:r>
+              <a:rPr lang="en-US" dirty="0" err="1"/>
+              <a:t>textfile</a:t>
+            </a:r>
+            <a:r>
+              <a:rPr lang="en-US" dirty="0"/>
+              <a:t> its is string</a:t>
+            </a:r>
+          </a:p>
+        </p:txBody>
+      </p:sp>
+      <p:sp>
+        <p:nvSpPr>
+          <p:cNvPr id="4" name="Oval 3">
+            <a:extLst>
+              <a:ext uri="{FF2B5EF4-FFF2-40B4-BE49-F238E27FC236}">
+                <a16:creationId xmlns:a16="http://schemas.microsoft.com/office/drawing/2014/main" id="{72B2AC21-54F2-4D87-639A-830F31029722}"/>
+              </a:ext>
+            </a:extLst>
+          </p:cNvPr>
+          <p:cNvSpPr/>
+          <p:nvPr/>
+        </p:nvSpPr>
+        <p:spPr>
+          <a:xfrm>
+            <a:off x="8521959" y="2419738"/>
+            <a:ext cx="1464906" cy="1390261"/>
+          </a:xfrm>
+          <a:prstGeom prst="ellipse">
+            <a:avLst/>
+          </a:prstGeom>
+        </p:spPr>
+        <p:style>
+          <a:lnRef idx="2">
+            <a:schemeClr val="accent1">
+              <a:shade val="50000"/>
+            </a:schemeClr>
+          </a:lnRef>
+          <a:fillRef idx="1">
+            <a:schemeClr val="accent1"/>
+          </a:fillRef>
+          <a:effectRef idx="0">
+            <a:schemeClr val="accent1"/>
+          </a:effectRef>
+          <a:fontRef idx="minor">
+            <a:schemeClr val="lt1"/>
+          </a:fontRef>
+        </p:style>
+        <p:txBody>
+          <a:bodyPr rtlCol="0" anchor="ctr"/>
+          <a:lstStyle/>
+          <a:p>
+            <a:pPr algn="ctr"/>
+            <a:r>
+              <a:rPr lang="en-US" dirty="0"/>
+              <a:t>Binary</a:t>
+            </a:r>
+          </a:p>
+        </p:txBody>
+      </p:sp>
+      <p:cxnSp>
+        <p:nvCxnSpPr>
+          <p:cNvPr id="6" name="Connector: Elbow 5">
+            <a:extLst>
+              <a:ext uri="{FF2B5EF4-FFF2-40B4-BE49-F238E27FC236}">
+                <a16:creationId xmlns:a16="http://schemas.microsoft.com/office/drawing/2014/main" id="{4D66C68B-B6B8-4FD4-A076-065C48F3CAA3}"/>
+              </a:ext>
+            </a:extLst>
+          </p:cNvPr>
+          <p:cNvCxnSpPr>
+            <a:stCxn id="2" idx="6"/>
+            <a:endCxn id="4" idx="0"/>
+          </p:cNvCxnSpPr>
+          <p:nvPr/>
+        </p:nvCxnSpPr>
+        <p:spPr>
+          <a:xfrm>
+            <a:off x="6904653" y="881743"/>
+            <a:ext cx="2349759" cy="1537995"/>
+          </a:xfrm>
+          <a:prstGeom prst="bentConnector2">
+            <a:avLst/>
+          </a:prstGeom>
+          <a:ln>
+            <a:tailEnd type="triangle"/>
+          </a:ln>
+        </p:spPr>
+        <p:style>
+          <a:lnRef idx="1">
+            <a:schemeClr val="accent1"/>
+          </a:lnRef>
+          <a:fillRef idx="0">
+            <a:schemeClr val="accent1"/>
+          </a:fillRef>
+          <a:effectRef idx="0">
+            <a:schemeClr val="accent1"/>
+          </a:effectRef>
+          <a:fontRef idx="minor">
+            <a:schemeClr val="tx1"/>
+          </a:fontRef>
+        </p:style>
+      </p:cxnSp>
+      <p:sp>
+        <p:nvSpPr>
+          <p:cNvPr id="7" name="TextBox 6">
+            <a:extLst>
+              <a:ext uri="{FF2B5EF4-FFF2-40B4-BE49-F238E27FC236}">
+                <a16:creationId xmlns:a16="http://schemas.microsoft.com/office/drawing/2014/main" id="{611A18FB-9014-2239-3F24-6EA02AD0CC8B}"/>
+              </a:ext>
+            </a:extLst>
+          </p:cNvPr>
+          <p:cNvSpPr txBox="1"/>
+          <p:nvPr/>
+        </p:nvSpPr>
+        <p:spPr>
+          <a:xfrm>
+            <a:off x="10077061" y="2351314"/>
+            <a:ext cx="1940768" cy="1477328"/>
+          </a:xfrm>
+          <a:prstGeom prst="rect">
+            <a:avLst/>
+          </a:prstGeom>
+          <a:noFill/>
+        </p:spPr>
+        <p:txBody>
+          <a:bodyPr wrap="square" rtlCol="0">
+            <a:spAutoFit/>
+          </a:bodyPr>
+          <a:lstStyle/>
+          <a:p>
+            <a:r>
+              <a:rPr lang="en-US" dirty="0"/>
+              <a:t>Data is encoded, difficult to read. Ut the Binary is Platform Dependent</a:t>
+            </a:r>
+          </a:p>
+        </p:txBody>
+      </p:sp>
+      <p:sp>
+        <p:nvSpPr>
+          <p:cNvPr id="8" name="Oval 7">
+            <a:extLst>
+              <a:ext uri="{FF2B5EF4-FFF2-40B4-BE49-F238E27FC236}">
+                <a16:creationId xmlns:a16="http://schemas.microsoft.com/office/drawing/2014/main" id="{BA78F4D1-EC52-7B23-938E-DEF4374042F0}"/>
+              </a:ext>
+            </a:extLst>
+          </p:cNvPr>
+          <p:cNvSpPr/>
+          <p:nvPr/>
+        </p:nvSpPr>
+        <p:spPr>
+          <a:xfrm>
+            <a:off x="5439747" y="4438263"/>
+            <a:ext cx="1464906" cy="1390261"/>
+          </a:xfrm>
+          <a:prstGeom prst="ellipse">
+            <a:avLst/>
+          </a:prstGeom>
+        </p:spPr>
+        <p:style>
+          <a:lnRef idx="2">
+            <a:schemeClr val="accent1">
+              <a:shade val="50000"/>
+            </a:schemeClr>
+          </a:lnRef>
+          <a:fillRef idx="1">
+            <a:schemeClr val="accent1"/>
+          </a:fillRef>
+          <a:effectRef idx="0">
+            <a:schemeClr val="accent1"/>
+          </a:effectRef>
+          <a:fontRef idx="minor">
+            <a:schemeClr val="lt1"/>
+          </a:fontRef>
+        </p:style>
+        <p:txBody>
+          <a:bodyPr rtlCol="0" anchor="ctr"/>
+          <a:lstStyle/>
+          <a:p>
+            <a:pPr algn="ctr"/>
+            <a:r>
+              <a:rPr lang="en-US" dirty="0"/>
+              <a:t>XML</a:t>
+            </a:r>
+          </a:p>
+        </p:txBody>
+      </p:sp>
+      <p:cxnSp>
+        <p:nvCxnSpPr>
+          <p:cNvPr id="10" name="Connector: Elbow 9">
+            <a:extLst>
+              <a:ext uri="{FF2B5EF4-FFF2-40B4-BE49-F238E27FC236}">
+                <a16:creationId xmlns:a16="http://schemas.microsoft.com/office/drawing/2014/main" id="{AD4B35A3-35B5-6BEF-9005-B73F0129199F}"/>
+              </a:ext>
+            </a:extLst>
+          </p:cNvPr>
+          <p:cNvCxnSpPr>
+            <a:stCxn id="4" idx="4"/>
+            <a:endCxn id="8" idx="6"/>
+          </p:cNvCxnSpPr>
+          <p:nvPr/>
+        </p:nvCxnSpPr>
+        <p:spPr>
+          <a:xfrm rot="5400000">
+            <a:off x="7417836" y="3296817"/>
+            <a:ext cx="1323395" cy="2349759"/>
+          </a:xfrm>
+          <a:prstGeom prst="bentConnector2">
+            <a:avLst/>
+          </a:prstGeom>
+          <a:ln>
+            <a:tailEnd type="triangle"/>
+          </a:ln>
+        </p:spPr>
+        <p:style>
+          <a:lnRef idx="1">
+            <a:schemeClr val="accent1"/>
+          </a:lnRef>
+          <a:fillRef idx="0">
+            <a:schemeClr val="accent1"/>
+          </a:fillRef>
+          <a:effectRef idx="0">
+            <a:schemeClr val="accent1"/>
+          </a:effectRef>
+          <a:fontRef idx="minor">
+            <a:schemeClr val="tx1"/>
+          </a:fontRef>
+        </p:style>
+      </p:cxnSp>
+      <p:sp>
+        <p:nvSpPr>
+          <p:cNvPr id="11" name="TextBox 10">
+            <a:extLst>
+              <a:ext uri="{FF2B5EF4-FFF2-40B4-BE49-F238E27FC236}">
+                <a16:creationId xmlns:a16="http://schemas.microsoft.com/office/drawing/2014/main" id="{583069A6-595D-6501-EF64-938204FEA156}"/>
+              </a:ext>
+            </a:extLst>
+          </p:cNvPr>
+          <p:cNvSpPr txBox="1"/>
+          <p:nvPr/>
+        </p:nvSpPr>
+        <p:spPr>
+          <a:xfrm>
+            <a:off x="7147249" y="5262465"/>
+            <a:ext cx="3694922" cy="646331"/>
+          </a:xfrm>
+          <a:prstGeom prst="rect">
+            <a:avLst/>
+          </a:prstGeom>
+          <a:noFill/>
+        </p:spPr>
+        <p:txBody>
+          <a:bodyPr wrap="square" rtlCol="0">
+            <a:spAutoFit/>
+          </a:bodyPr>
+          <a:lstStyle/>
+          <a:p>
+            <a:r>
+              <a:rPr lang="en-US" dirty="0"/>
+              <a:t>Open Standard Mechanism of Sharing or transferring data </a:t>
+            </a:r>
+          </a:p>
+        </p:txBody>
+      </p:sp>
+      <p:sp>
+        <p:nvSpPr>
+          <p:cNvPr id="12" name="TextBox 11">
+            <a:extLst>
+              <a:ext uri="{FF2B5EF4-FFF2-40B4-BE49-F238E27FC236}">
+                <a16:creationId xmlns:a16="http://schemas.microsoft.com/office/drawing/2014/main" id="{44EA33D7-6092-CEE1-5079-EDBE372BA867}"/>
+              </a:ext>
+            </a:extLst>
+          </p:cNvPr>
+          <p:cNvSpPr txBox="1"/>
+          <p:nvPr/>
+        </p:nvSpPr>
+        <p:spPr>
+          <a:xfrm>
+            <a:off x="401216" y="5663682"/>
+            <a:ext cx="4643536" cy="923330"/>
+          </a:xfrm>
+          <a:prstGeom prst="rect">
+            <a:avLst/>
+          </a:prstGeom>
+          <a:noFill/>
+        </p:spPr>
+        <p:txBody>
+          <a:bodyPr wrap="square" rtlCol="0">
+            <a:spAutoFit/>
+          </a:bodyPr>
+          <a:lstStyle/>
+          <a:p>
+            <a:r>
+              <a:rPr lang="en-US" dirty="0"/>
+              <a:t>&lt;Eno&gt;1001&lt;/Eno&gt; </a:t>
+            </a:r>
+            <a:r>
+              <a:rPr lang="en-US" dirty="0">
+                <a:sym typeface="Wingdings" panose="05000000000000000000" pitchFamily="2" charset="2"/>
+              </a:rPr>
+              <a:t> &amp;lt;Eno&amp;gt;1001%20&amp;lt;&amp;</a:t>
+            </a:r>
+            <a:r>
+              <a:rPr lang="en-US" dirty="0" err="1">
+                <a:sym typeface="Wingdings" panose="05000000000000000000" pitchFamily="2" charset="2"/>
+              </a:rPr>
+              <a:t>gt</a:t>
+            </a:r>
+            <a:r>
+              <a:rPr lang="en-US" dirty="0">
+                <a:sym typeface="Wingdings" panose="05000000000000000000" pitchFamily="2" charset="2"/>
+              </a:rPr>
+              <a:t>; &lt;Eno value=1001/&gt;</a:t>
+            </a:r>
+            <a:endParaRPr lang="en-US" dirty="0"/>
+          </a:p>
+        </p:txBody>
+      </p:sp>
+      <p:cxnSp>
+        <p:nvCxnSpPr>
+          <p:cNvPr id="14" name="Connector: Elbow 13">
+            <a:extLst>
+              <a:ext uri="{FF2B5EF4-FFF2-40B4-BE49-F238E27FC236}">
+                <a16:creationId xmlns:a16="http://schemas.microsoft.com/office/drawing/2014/main" id="{10A4716E-CC5B-3ACC-97CB-60C9979FB100}"/>
+              </a:ext>
+            </a:extLst>
+          </p:cNvPr>
+          <p:cNvCxnSpPr>
+            <a:cxnSpLocks/>
+            <a:stCxn id="8" idx="2"/>
+            <a:endCxn id="16" idx="4"/>
+          </p:cNvCxnSpPr>
+          <p:nvPr/>
+        </p:nvCxnSpPr>
+        <p:spPr>
+          <a:xfrm rot="10800000">
+            <a:off x="2937589" y="3741576"/>
+            <a:ext cx="2502159" cy="1391819"/>
+          </a:xfrm>
+          <a:prstGeom prst="bentConnector2">
+            <a:avLst/>
+          </a:prstGeom>
+          <a:ln>
+            <a:tailEnd type="triangle"/>
+          </a:ln>
+        </p:spPr>
+        <p:style>
+          <a:lnRef idx="1">
+            <a:schemeClr val="accent1"/>
+          </a:lnRef>
+          <a:fillRef idx="0">
+            <a:schemeClr val="accent1"/>
+          </a:fillRef>
+          <a:effectRef idx="0">
+            <a:schemeClr val="accent1"/>
+          </a:effectRef>
+          <a:fontRef idx="minor">
+            <a:schemeClr val="tx1"/>
+          </a:fontRef>
+        </p:style>
+      </p:cxnSp>
+      <p:sp>
+        <p:nvSpPr>
+          <p:cNvPr id="16" name="Oval 15">
+            <a:extLst>
+              <a:ext uri="{FF2B5EF4-FFF2-40B4-BE49-F238E27FC236}">
+                <a16:creationId xmlns:a16="http://schemas.microsoft.com/office/drawing/2014/main" id="{9961D19D-E8FD-E869-650D-0CDF5691A62C}"/>
+              </a:ext>
+            </a:extLst>
+          </p:cNvPr>
+          <p:cNvSpPr/>
+          <p:nvPr/>
+        </p:nvSpPr>
+        <p:spPr>
+          <a:xfrm>
+            <a:off x="2205135" y="2351314"/>
+            <a:ext cx="1464906" cy="1390261"/>
+          </a:xfrm>
+          <a:prstGeom prst="ellipse">
+            <a:avLst/>
+          </a:prstGeom>
+        </p:spPr>
+        <p:style>
+          <a:lnRef idx="2">
+            <a:schemeClr val="accent1">
+              <a:shade val="50000"/>
+            </a:schemeClr>
+          </a:lnRef>
+          <a:fillRef idx="1">
+            <a:schemeClr val="accent1"/>
+          </a:fillRef>
+          <a:effectRef idx="0">
+            <a:schemeClr val="accent1"/>
+          </a:effectRef>
+          <a:fontRef idx="minor">
+            <a:schemeClr val="lt1"/>
+          </a:fontRef>
+        </p:style>
+        <p:txBody>
+          <a:bodyPr rtlCol="0" anchor="ctr"/>
+          <a:lstStyle/>
+          <a:p>
+            <a:pPr algn="ctr"/>
+            <a:r>
+              <a:rPr lang="en-US" dirty="0"/>
+              <a:t>JSON</a:t>
+            </a:r>
+          </a:p>
+        </p:txBody>
+      </p:sp>
+      <p:sp>
+        <p:nvSpPr>
+          <p:cNvPr id="19" name="TextBox 18">
+            <a:extLst>
+              <a:ext uri="{FF2B5EF4-FFF2-40B4-BE49-F238E27FC236}">
+                <a16:creationId xmlns:a16="http://schemas.microsoft.com/office/drawing/2014/main" id="{B11294B8-6939-0D25-A933-ECD3D9E8F90D}"/>
+              </a:ext>
+            </a:extLst>
+          </p:cNvPr>
+          <p:cNvSpPr txBox="1"/>
+          <p:nvPr/>
+        </p:nvSpPr>
+        <p:spPr>
+          <a:xfrm>
+            <a:off x="174171" y="2603241"/>
+            <a:ext cx="1757266" cy="923330"/>
+          </a:xfrm>
+          <a:prstGeom prst="rect">
+            <a:avLst/>
+          </a:prstGeom>
+          <a:noFill/>
+        </p:spPr>
+        <p:txBody>
+          <a:bodyPr wrap="square" rtlCol="0">
+            <a:spAutoFit/>
+          </a:bodyPr>
+          <a:lstStyle/>
+          <a:p>
+            <a:r>
+              <a:rPr lang="en-US" dirty="0" err="1"/>
+              <a:t>PlainText</a:t>
+            </a:r>
+            <a:r>
+              <a:rPr lang="en-US" dirty="0"/>
+              <a:t> Schema Based Data</a:t>
+            </a:r>
+          </a:p>
+        </p:txBody>
+      </p:sp>
+      <p:sp>
+        <p:nvSpPr>
+          <p:cNvPr id="23" name="Oval 22">
+            <a:extLst>
+              <a:ext uri="{FF2B5EF4-FFF2-40B4-BE49-F238E27FC236}">
+                <a16:creationId xmlns:a16="http://schemas.microsoft.com/office/drawing/2014/main" id="{3EC68F29-3F6B-24B1-8189-6483E06BC176}"/>
+              </a:ext>
+            </a:extLst>
+          </p:cNvPr>
+          <p:cNvSpPr/>
+          <p:nvPr/>
+        </p:nvSpPr>
+        <p:spPr>
+          <a:xfrm>
+            <a:off x="5363547" y="2272003"/>
+            <a:ext cx="1464906" cy="1390261"/>
+          </a:xfrm>
+          <a:prstGeom prst="ellipse">
+            <a:avLst/>
+          </a:prstGeom>
+        </p:spPr>
+        <p:style>
+          <a:lnRef idx="2">
+            <a:schemeClr val="accent1">
+              <a:shade val="50000"/>
+            </a:schemeClr>
+          </a:lnRef>
+          <a:fillRef idx="1">
+            <a:schemeClr val="accent1"/>
+          </a:fillRef>
+          <a:effectRef idx="0">
+            <a:schemeClr val="accent1"/>
+          </a:effectRef>
+          <a:fontRef idx="minor">
+            <a:schemeClr val="lt1"/>
+          </a:fontRef>
+        </p:style>
+        <p:txBody>
+          <a:bodyPr rtlCol="0" anchor="ctr"/>
+          <a:lstStyle/>
+          <a:p>
+            <a:pPr algn="ctr"/>
+            <a:r>
+              <a:rPr lang="en-US"/>
+              <a:t>gRPC</a:t>
+            </a:r>
+            <a:endParaRPr lang="en-US" dirty="0"/>
+          </a:p>
+        </p:txBody>
+      </p:sp>
+    </p:spTree>
+    <p:extLst>
+      <p:ext uri="{BB962C8B-B14F-4D97-AF65-F5344CB8AC3E}">
+        <p14:creationId xmlns:p14="http://schemas.microsoft.com/office/powerpoint/2010/main" val="3643048084"/>
+      </p:ext>
+    </p:extLst>
+  </p:cSld>
+  <p:clrMapOvr>
+    <a:masterClrMapping/>
+  </p:clrMapOvr>
+</p:sld>
+</file>
+
 <file path=ppt/theme/theme1.xml><?xml version="1.0" encoding="utf-8"?>
 <a:theme xmlns:a="http://schemas.openxmlformats.org/drawingml/2006/main" name="Office Theme">
   <a:themeElements>

--- a/Mages.pptx
+++ b/Mages.pptx
@@ -7868,10 +7868,13 @@
           <a:p>
             <a:pPr algn="ctr"/>
             <a:r>
-              <a:rPr lang="en-US"/>
-              <a:t>gRPC</a:t>
-            </a:r>
-            <a:endParaRPr lang="en-US" dirty="0"/>
+              <a:rPr lang="en-US" dirty="0" err="1"/>
+              <a:t>gRPCx</a:t>
+            </a:r>
+            <a:r>
+              <a:rPr lang="en-US" dirty="0"/>
+              <a:t>`</a:t>
+            </a:r>
           </a:p>
         </p:txBody>
       </p:sp>

--- a/Mages.pptx
+++ b/Mages.pptx
@@ -11,6 +11,7 @@
     <p:sldId id="259" r:id="rId5"/>
     <p:sldId id="260" r:id="rId6"/>
     <p:sldId id="261" r:id="rId7"/>
+    <p:sldId id="262" r:id="rId8"/>
   </p:sldIdLst>
   <p:sldSz cx="12192000" cy="6858000"/>
   <p:notesSz cx="6858000" cy="9144000"/>
@@ -264,7 +265,7 @@
           <a:p>
             <a:fld id="{1B5307E5-B049-4D90-B4EE-E46AA32988F2}" type="datetimeFigureOut">
               <a:rPr lang="en-US" smtClean="0"/>
-              <a:t>1/2/2023</a:t>
+              <a:t>1/4/2023</a:t>
             </a:fld>
             <a:endParaRPr lang="en-US"/>
           </a:p>
@@ -462,7 +463,7 @@
           <a:p>
             <a:fld id="{1B5307E5-B049-4D90-B4EE-E46AA32988F2}" type="datetimeFigureOut">
               <a:rPr lang="en-US" smtClean="0"/>
-              <a:t>1/2/2023</a:t>
+              <a:t>1/4/2023</a:t>
             </a:fld>
             <a:endParaRPr lang="en-US"/>
           </a:p>
@@ -670,7 +671,7 @@
           <a:p>
             <a:fld id="{1B5307E5-B049-4D90-B4EE-E46AA32988F2}" type="datetimeFigureOut">
               <a:rPr lang="en-US" smtClean="0"/>
-              <a:t>1/2/2023</a:t>
+              <a:t>1/4/2023</a:t>
             </a:fld>
             <a:endParaRPr lang="en-US"/>
           </a:p>
@@ -868,7 +869,7 @@
           <a:p>
             <a:fld id="{1B5307E5-B049-4D90-B4EE-E46AA32988F2}" type="datetimeFigureOut">
               <a:rPr lang="en-US" smtClean="0"/>
-              <a:t>1/2/2023</a:t>
+              <a:t>1/4/2023</a:t>
             </a:fld>
             <a:endParaRPr lang="en-US"/>
           </a:p>
@@ -1143,7 +1144,7 @@
           <a:p>
             <a:fld id="{1B5307E5-B049-4D90-B4EE-E46AA32988F2}" type="datetimeFigureOut">
               <a:rPr lang="en-US" smtClean="0"/>
-              <a:t>1/2/2023</a:t>
+              <a:t>1/4/2023</a:t>
             </a:fld>
             <a:endParaRPr lang="en-US"/>
           </a:p>
@@ -1408,7 +1409,7 @@
           <a:p>
             <a:fld id="{1B5307E5-B049-4D90-B4EE-E46AA32988F2}" type="datetimeFigureOut">
               <a:rPr lang="en-US" smtClean="0"/>
-              <a:t>1/2/2023</a:t>
+              <a:t>1/4/2023</a:t>
             </a:fld>
             <a:endParaRPr lang="en-US"/>
           </a:p>
@@ -1820,7 +1821,7 @@
           <a:p>
             <a:fld id="{1B5307E5-B049-4D90-B4EE-E46AA32988F2}" type="datetimeFigureOut">
               <a:rPr lang="en-US" smtClean="0"/>
-              <a:t>1/2/2023</a:t>
+              <a:t>1/4/2023</a:t>
             </a:fld>
             <a:endParaRPr lang="en-US"/>
           </a:p>
@@ -1961,7 +1962,7 @@
           <a:p>
             <a:fld id="{1B5307E5-B049-4D90-B4EE-E46AA32988F2}" type="datetimeFigureOut">
               <a:rPr lang="en-US" smtClean="0"/>
-              <a:t>1/2/2023</a:t>
+              <a:t>1/4/2023</a:t>
             </a:fld>
             <a:endParaRPr lang="en-US"/>
           </a:p>
@@ -2074,7 +2075,7 @@
           <a:p>
             <a:fld id="{1B5307E5-B049-4D90-B4EE-E46AA32988F2}" type="datetimeFigureOut">
               <a:rPr lang="en-US" smtClean="0"/>
-              <a:t>1/2/2023</a:t>
+              <a:t>1/4/2023</a:t>
             </a:fld>
             <a:endParaRPr lang="en-US"/>
           </a:p>
@@ -2385,7 +2386,7 @@
           <a:p>
             <a:fld id="{1B5307E5-B049-4D90-B4EE-E46AA32988F2}" type="datetimeFigureOut">
               <a:rPr lang="en-US" smtClean="0"/>
-              <a:t>1/2/2023</a:t>
+              <a:t>1/4/2023</a:t>
             </a:fld>
             <a:endParaRPr lang="en-US"/>
           </a:p>
@@ -2673,7 +2674,7 @@
           <a:p>
             <a:fld id="{1B5307E5-B049-4D90-B4EE-E46AA32988F2}" type="datetimeFigureOut">
               <a:rPr lang="en-US" smtClean="0"/>
-              <a:t>1/2/2023</a:t>
+              <a:t>1/4/2023</a:t>
             </a:fld>
             <a:endParaRPr lang="en-US"/>
           </a:p>
@@ -2914,7 +2915,7 @@
           <a:p>
             <a:fld id="{1B5307E5-B049-4D90-B4EE-E46AA32988F2}" type="datetimeFigureOut">
               <a:rPr lang="en-US" smtClean="0"/>
-              <a:t>1/2/2023</a:t>
+              <a:t>1/4/2023</a:t>
             </a:fld>
             <a:endParaRPr lang="en-US"/>
           </a:p>
@@ -7891,6 +7892,375 @@
 </p:sld>
 </file>
 
+<file path=ppt/slides/slide7.xml><?xml version="1.0" encoding="utf-8"?>
+<p:sld xmlns:a="http://schemas.openxmlformats.org/drawingml/2006/main" xmlns:r="http://schemas.openxmlformats.org/officeDocument/2006/relationships" xmlns:p="http://schemas.openxmlformats.org/presentationml/2006/main">
+  <p:cSld>
+    <p:spTree>
+      <p:nvGrpSpPr>
+        <p:cNvPr id="1" name=""/>
+        <p:cNvGrpSpPr/>
+        <p:nvPr/>
+      </p:nvGrpSpPr>
+      <p:grpSpPr>
+        <a:xfrm>
+          <a:off x="0" y="0"/>
+          <a:ext cx="0" cy="0"/>
+          <a:chOff x="0" y="0"/>
+          <a:chExt cx="0" cy="0"/>
+        </a:xfrm>
+      </p:grpSpPr>
+      <p:sp>
+        <p:nvSpPr>
+          <p:cNvPr id="2" name="Rectangle 1">
+            <a:extLst>
+              <a:ext uri="{FF2B5EF4-FFF2-40B4-BE49-F238E27FC236}">
+                <a16:creationId xmlns:a16="http://schemas.microsoft.com/office/drawing/2014/main" id="{85909688-FC35-62D7-9570-B8EEF99C7EAF}"/>
+              </a:ext>
+            </a:extLst>
+          </p:cNvPr>
+          <p:cNvSpPr/>
+          <p:nvPr/>
+        </p:nvSpPr>
+        <p:spPr>
+          <a:xfrm>
+            <a:off x="1511559" y="597158"/>
+            <a:ext cx="4954555" cy="3163079"/>
+          </a:xfrm>
+          <a:prstGeom prst="rect">
+            <a:avLst/>
+          </a:prstGeom>
+        </p:spPr>
+        <p:style>
+          <a:lnRef idx="2">
+            <a:schemeClr val="accent1">
+              <a:shade val="50000"/>
+            </a:schemeClr>
+          </a:lnRef>
+          <a:fillRef idx="1">
+            <a:schemeClr val="accent1"/>
+          </a:fillRef>
+          <a:effectRef idx="0">
+            <a:schemeClr val="accent1"/>
+          </a:effectRef>
+          <a:fontRef idx="minor">
+            <a:schemeClr val="lt1"/>
+          </a:fontRef>
+        </p:style>
+        <p:txBody>
+          <a:bodyPr rtlCol="0" anchor="ctr"/>
+          <a:lstStyle/>
+          <a:p>
+            <a:pPr algn="ctr"/>
+            <a:r>
+              <a:rPr lang="en-IN" b="1" dirty="0"/>
+              <a:t>Services aka all objects required by ASP.NET Core Apps </a:t>
+            </a:r>
+          </a:p>
+          <a:p>
+            <a:pPr algn="ctr"/>
+            <a:r>
+              <a:rPr lang="en-IN" b="1" dirty="0"/>
+              <a:t>This is a Dependency Injection Container that registers</a:t>
+            </a:r>
+          </a:p>
+          <a:p>
+            <a:pPr algn="ctr"/>
+            <a:r>
+              <a:rPr lang="en-IN" b="1" dirty="0"/>
+              <a:t>Objects are follows</a:t>
+            </a:r>
+          </a:p>
+          <a:p>
+            <a:pPr algn="ctr"/>
+            <a:r>
+              <a:rPr lang="en-IN" b="1" dirty="0"/>
+              <a:t>DataAccess, Identity, Sessions, CORS, Caching, Messaging (RabbitMQ) Other Custom Objects required by app and created by developers, MVC Objects, API Objects, and Razor Page Objects</a:t>
+            </a:r>
+          </a:p>
+          <a:p>
+            <a:pPr algn="ctr"/>
+            <a:endParaRPr lang="en-US" b="1" dirty="0"/>
+          </a:p>
+        </p:txBody>
+      </p:sp>
+      <p:sp>
+        <p:nvSpPr>
+          <p:cNvPr id="3" name="Arrow: Right 2">
+            <a:extLst>
+              <a:ext uri="{FF2B5EF4-FFF2-40B4-BE49-F238E27FC236}">
+                <a16:creationId xmlns:a16="http://schemas.microsoft.com/office/drawing/2014/main" id="{A9EBA036-BF64-D0D1-FC6E-ADAD99522A4A}"/>
+              </a:ext>
+            </a:extLst>
+          </p:cNvPr>
+          <p:cNvSpPr/>
+          <p:nvPr/>
+        </p:nvSpPr>
+        <p:spPr>
+          <a:xfrm>
+            <a:off x="74645" y="1035698"/>
+            <a:ext cx="1362269" cy="587829"/>
+          </a:xfrm>
+          <a:prstGeom prst="rightArrow">
+            <a:avLst/>
+          </a:prstGeom>
+        </p:spPr>
+        <p:style>
+          <a:lnRef idx="2">
+            <a:schemeClr val="accent1">
+              <a:shade val="50000"/>
+            </a:schemeClr>
+          </a:lnRef>
+          <a:fillRef idx="1">
+            <a:schemeClr val="accent1"/>
+          </a:fillRef>
+          <a:effectRef idx="0">
+            <a:schemeClr val="accent1"/>
+          </a:effectRef>
+          <a:fontRef idx="minor">
+            <a:schemeClr val="lt1"/>
+          </a:fontRef>
+        </p:style>
+        <p:txBody>
+          <a:bodyPr rtlCol="0" anchor="ctr"/>
+          <a:lstStyle/>
+          <a:p>
+            <a:pPr algn="ctr"/>
+            <a:r>
+              <a:rPr lang="en-IN" dirty="0"/>
+              <a:t>Request</a:t>
+            </a:r>
+            <a:endParaRPr lang="en-US" dirty="0"/>
+          </a:p>
+        </p:txBody>
+      </p:sp>
+      <p:sp>
+        <p:nvSpPr>
+          <p:cNvPr id="5" name="Rectangle 4">
+            <a:extLst>
+              <a:ext uri="{FF2B5EF4-FFF2-40B4-BE49-F238E27FC236}">
+                <a16:creationId xmlns:a16="http://schemas.microsoft.com/office/drawing/2014/main" id="{C9CB922B-D321-E7C6-722F-F7435412BFF9}"/>
+              </a:ext>
+            </a:extLst>
+          </p:cNvPr>
+          <p:cNvSpPr/>
+          <p:nvPr/>
+        </p:nvSpPr>
+        <p:spPr>
+          <a:xfrm>
+            <a:off x="914400" y="3890865"/>
+            <a:ext cx="10608906" cy="2136711"/>
+          </a:xfrm>
+          <a:prstGeom prst="rect">
+            <a:avLst/>
+          </a:prstGeom>
+        </p:spPr>
+        <p:style>
+          <a:lnRef idx="2">
+            <a:schemeClr val="accent2">
+              <a:shade val="50000"/>
+            </a:schemeClr>
+          </a:lnRef>
+          <a:fillRef idx="1">
+            <a:schemeClr val="accent2"/>
+          </a:fillRef>
+          <a:effectRef idx="0">
+            <a:schemeClr val="accent2"/>
+          </a:effectRef>
+          <a:fontRef idx="minor">
+            <a:schemeClr val="lt1"/>
+          </a:fontRef>
+        </p:style>
+        <p:txBody>
+          <a:bodyPr rtlCol="0" anchor="ctr"/>
+          <a:lstStyle/>
+          <a:p>
+            <a:pPr algn="ctr"/>
+            <a:r>
+              <a:rPr lang="en-IN" sz="2000" b="1" dirty="0"/>
+              <a:t>Exception Management, Https Redirection, Static Files,  Session, Routing, CORS, Custom Middlewares, Identity (Authentication and Authorization) , endpoints to map request with Razor Page, MVC Controller, API Controller</a:t>
+            </a:r>
+            <a:endParaRPr lang="en-US" sz="2000" b="1" dirty="0"/>
+          </a:p>
+        </p:txBody>
+      </p:sp>
+      <p:cxnSp>
+        <p:nvCxnSpPr>
+          <p:cNvPr id="7" name="Connector: Elbow 6">
+            <a:extLst>
+              <a:ext uri="{FF2B5EF4-FFF2-40B4-BE49-F238E27FC236}">
+                <a16:creationId xmlns:a16="http://schemas.microsoft.com/office/drawing/2014/main" id="{69A9B128-9E17-84B5-FB49-5B15449DC6FF}"/>
+              </a:ext>
+            </a:extLst>
+          </p:cNvPr>
+          <p:cNvCxnSpPr>
+            <a:stCxn id="2" idx="3"/>
+            <a:endCxn id="5" idx="3"/>
+          </p:cNvCxnSpPr>
+          <p:nvPr/>
+        </p:nvCxnSpPr>
+        <p:spPr>
+          <a:xfrm>
+            <a:off x="6466114" y="2178698"/>
+            <a:ext cx="5057192" cy="2780523"/>
+          </a:xfrm>
+          <a:prstGeom prst="bentConnector3">
+            <a:avLst>
+              <a:gd name="adj1" fmla="val 104520"/>
+            </a:avLst>
+          </a:prstGeom>
+          <a:ln w="76200">
+            <a:tailEnd type="triangle"/>
+          </a:ln>
+        </p:spPr>
+        <p:style>
+          <a:lnRef idx="1">
+            <a:schemeClr val="accent1"/>
+          </a:lnRef>
+          <a:fillRef idx="0">
+            <a:schemeClr val="accent1"/>
+          </a:fillRef>
+          <a:effectRef idx="0">
+            <a:schemeClr val="accent1"/>
+          </a:effectRef>
+          <a:fontRef idx="minor">
+            <a:schemeClr val="tx1"/>
+          </a:fontRef>
+        </p:style>
+      </p:cxnSp>
+      <p:sp>
+        <p:nvSpPr>
+          <p:cNvPr id="8" name="TextBox 7">
+            <a:extLst>
+              <a:ext uri="{FF2B5EF4-FFF2-40B4-BE49-F238E27FC236}">
+                <a16:creationId xmlns:a16="http://schemas.microsoft.com/office/drawing/2014/main" id="{A3A9247E-7BC2-22E6-2976-17205774791A}"/>
+              </a:ext>
+            </a:extLst>
+          </p:cNvPr>
+          <p:cNvSpPr txBox="1"/>
+          <p:nvPr/>
+        </p:nvSpPr>
+        <p:spPr>
+          <a:xfrm>
+            <a:off x="6867331" y="3179220"/>
+            <a:ext cx="4861249" cy="646331"/>
+          </a:xfrm>
+          <a:prstGeom prst="rect">
+            <a:avLst/>
+          </a:prstGeom>
+          <a:noFill/>
+        </p:spPr>
+        <p:txBody>
+          <a:bodyPr wrap="square" rtlCol="0">
+            <a:spAutoFit/>
+          </a:bodyPr>
+          <a:lstStyle/>
+          <a:p>
+            <a:r>
+              <a:rPr lang="en-IN" dirty="0"/>
+              <a:t>Middlewares, a replacement for </a:t>
+            </a:r>
+            <a:r>
+              <a:rPr lang="en-IN" dirty="0" err="1"/>
+              <a:t>HTTPHandlers</a:t>
+            </a:r>
+            <a:r>
+              <a:rPr lang="en-IN" dirty="0"/>
+              <a:t> and HttpModules</a:t>
+            </a:r>
+            <a:endParaRPr lang="en-US" dirty="0"/>
+          </a:p>
+        </p:txBody>
+      </p:sp>
+      <p:cxnSp>
+        <p:nvCxnSpPr>
+          <p:cNvPr id="10" name="Connector: Elbow 9">
+            <a:extLst>
+              <a:ext uri="{FF2B5EF4-FFF2-40B4-BE49-F238E27FC236}">
+                <a16:creationId xmlns:a16="http://schemas.microsoft.com/office/drawing/2014/main" id="{AA8F1574-A3BB-F36E-85C5-1F31C33483D8}"/>
+              </a:ext>
+            </a:extLst>
+          </p:cNvPr>
+          <p:cNvCxnSpPr>
+            <a:stCxn id="5" idx="2"/>
+          </p:cNvCxnSpPr>
+          <p:nvPr/>
+        </p:nvCxnSpPr>
+        <p:spPr>
+          <a:xfrm rot="16200000" flipH="1">
+            <a:off x="6440455" y="5805973"/>
+            <a:ext cx="615820" cy="1059025"/>
+          </a:xfrm>
+          <a:prstGeom prst="bentConnector2">
+            <a:avLst/>
+          </a:prstGeom>
+          <a:ln w="76200">
+            <a:tailEnd type="triangle"/>
+          </a:ln>
+        </p:spPr>
+        <p:style>
+          <a:lnRef idx="1">
+            <a:schemeClr val="accent1"/>
+          </a:lnRef>
+          <a:fillRef idx="0">
+            <a:schemeClr val="accent1"/>
+          </a:fillRef>
+          <a:effectRef idx="0">
+            <a:schemeClr val="accent1"/>
+          </a:effectRef>
+          <a:fontRef idx="minor">
+            <a:schemeClr val="tx1"/>
+          </a:fontRef>
+        </p:style>
+      </p:cxnSp>
+      <p:sp>
+        <p:nvSpPr>
+          <p:cNvPr id="11" name="TextBox 10">
+            <a:extLst>
+              <a:ext uri="{FF2B5EF4-FFF2-40B4-BE49-F238E27FC236}">
+                <a16:creationId xmlns:a16="http://schemas.microsoft.com/office/drawing/2014/main" id="{C7B0A134-15C2-2AEE-FC17-9957AFBBB48C}"/>
+              </a:ext>
+            </a:extLst>
+          </p:cNvPr>
+          <p:cNvSpPr txBox="1"/>
+          <p:nvPr/>
+        </p:nvSpPr>
+        <p:spPr>
+          <a:xfrm>
+            <a:off x="7380514" y="6260842"/>
+            <a:ext cx="3237723" cy="369332"/>
+          </a:xfrm>
+          <a:prstGeom prst="rect">
+            <a:avLst/>
+          </a:prstGeom>
+          <a:noFill/>
+        </p:spPr>
+        <p:txBody>
+          <a:bodyPr wrap="square" rtlCol="0">
+            <a:spAutoFit/>
+          </a:bodyPr>
+          <a:lstStyle/>
+          <a:p>
+            <a:r>
+              <a:rPr lang="en-IN" b="1" dirty="0"/>
+              <a:t>Further Execution </a:t>
+            </a:r>
+            <a:endParaRPr lang="en-US" b="1" dirty="0"/>
+          </a:p>
+        </p:txBody>
+      </p:sp>
+    </p:spTree>
+    <p:extLst>
+      <p:ext uri="{BB962C8B-B14F-4D97-AF65-F5344CB8AC3E}">
+        <p14:creationId xmlns:p14="http://schemas.microsoft.com/office/powerpoint/2010/main" val="1073079516"/>
+      </p:ext>
+    </p:extLst>
+  </p:cSld>
+  <p:clrMapOvr>
+    <a:masterClrMapping/>
+  </p:clrMapOvr>
+</p:sld>
+</file>
+
 <file path=ppt/theme/theme1.xml><?xml version="1.0" encoding="utf-8"?>
 <a:theme xmlns:a="http://schemas.openxmlformats.org/drawingml/2006/main" name="Office Theme">
   <a:themeElements>
